--- a/Hyperledger Composer.pptx
+++ b/Hyperledger Composer.pptx
@@ -265,7 +265,7 @@
             <a:fld id="{9F4E8655-7E8A-CD44-826D-171CCCD81A4E}" type="datetimeFigureOut">
               <a:rPr lang="en-US" smtClean="0"/>
               <a:pPr/>
-              <a:t>6/29/2017</a:t>
+              <a:t>8/22/2017</a:t>
             </a:fld>
             <a:endParaRPr lang="en-US"/>
           </a:p>
@@ -433,7 +433,7 @@
             <a:fld id="{28234CD8-0BB3-084C-8D23-3448A3D9883F}" type="datetimeFigureOut">
               <a:rPr lang="en-US" smtClean="0"/>
               <a:pPr/>
-              <a:t>6/29/2017</a:t>
+              <a:t>8/22/2017</a:t>
             </a:fld>
             <a:endParaRPr lang="en-US"/>
           </a:p>
@@ -3640,7 +3640,7 @@
             <a:effectLst/>
             <a:extLst>
               <a:ext uri="{91240B29-F687-4f45-9708-019B960494DF}">
-                <a14:hiddenLine xmlns:a14="http://schemas.microsoft.com/office/drawing/2010/main" xmlns="" w="9525" cap="flat">
+                <a14:hiddenLine xmlns="" xmlns:a14="http://schemas.microsoft.com/office/drawing/2010/main" w="9525" cap="flat">
                   <a:solidFill>
                     <a:srgbClr val="808080"/>
                   </a:solidFill>
@@ -3650,7 +3650,7 @@
                 </a14:hiddenLine>
               </a:ext>
               <a:ext uri="{AF507438-7753-43e0-B8FC-AC1667EBCBE1}">
-                <a14:hiddenEffects xmlns:a14="http://schemas.microsoft.com/office/drawing/2010/main" xmlns="">
+                <a14:hiddenEffects xmlns="" xmlns:a14="http://schemas.microsoft.com/office/drawing/2010/main">
                   <a:effectLst>
                     <a:outerShdw blurRad="63500" dist="38099" dir="2700000" algn="ctr" rotWithShape="0">
                       <a:srgbClr val="000000">
@@ -3760,7 +3760,7 @@
             <a:effectLst/>
             <a:extLst>
               <a:ext uri="{91240B29-F687-4f45-9708-019B960494DF}">
-                <a14:hiddenLine xmlns:a14="http://schemas.microsoft.com/office/drawing/2010/main" xmlns="" w="9525" cap="flat">
+                <a14:hiddenLine xmlns="" xmlns:a14="http://schemas.microsoft.com/office/drawing/2010/main" w="9525" cap="flat">
                   <a:solidFill>
                     <a:srgbClr val="808080"/>
                   </a:solidFill>
@@ -3770,7 +3770,7 @@
                 </a14:hiddenLine>
               </a:ext>
               <a:ext uri="{AF507438-7753-43e0-B8FC-AC1667EBCBE1}">
-                <a14:hiddenEffects xmlns:a14="http://schemas.microsoft.com/office/drawing/2010/main" xmlns="">
+                <a14:hiddenEffects xmlns="" xmlns:a14="http://schemas.microsoft.com/office/drawing/2010/main">
                   <a:effectLst>
                     <a:outerShdw blurRad="63500" dist="38099" dir="2700000" algn="ctr" rotWithShape="0">
                       <a:srgbClr val="000000">
@@ -3978,7 +3978,7 @@
             <a:effectLst/>
             <a:extLst>
               <a:ext uri="{91240B29-F687-4f45-9708-019B960494DF}">
-                <a14:hiddenLine xmlns:a14="http://schemas.microsoft.com/office/drawing/2010/main" xmlns="" w="9525" cap="flat">
+                <a14:hiddenLine xmlns="" xmlns:a14="http://schemas.microsoft.com/office/drawing/2010/main" w="9525" cap="flat">
                   <a:solidFill>
                     <a:srgbClr val="C2E4F8"/>
                   </a:solidFill>
@@ -3988,7 +3988,7 @@
                 </a14:hiddenLine>
               </a:ext>
               <a:ext uri="{AF507438-7753-43e0-B8FC-AC1667EBCBE1}">
-                <a14:hiddenEffects xmlns:a14="http://schemas.microsoft.com/office/drawing/2010/main" xmlns="">
+                <a14:hiddenEffects xmlns="" xmlns:a14="http://schemas.microsoft.com/office/drawing/2010/main">
                   <a:effectLst>
                     <a:outerShdw blurRad="63500" dist="38099" dir="2700000" algn="ctr" rotWithShape="0">
                       <a:srgbClr val="000000">
@@ -4090,7 +4090,7 @@
             <a:effectLst/>
             <a:extLst>
               <a:ext uri="{91240B29-F687-4f45-9708-019B960494DF}">
-                <a14:hiddenLine xmlns:a14="http://schemas.microsoft.com/office/drawing/2010/main" xmlns="" w="9525" cap="flat">
+                <a14:hiddenLine xmlns="" xmlns:a14="http://schemas.microsoft.com/office/drawing/2010/main" w="9525" cap="flat">
                   <a:solidFill>
                     <a:srgbClr val="C2E4F8"/>
                   </a:solidFill>
@@ -4100,7 +4100,7 @@
                 </a14:hiddenLine>
               </a:ext>
               <a:ext uri="{AF507438-7753-43e0-B8FC-AC1667EBCBE1}">
-                <a14:hiddenEffects xmlns:a14="http://schemas.microsoft.com/office/drawing/2010/main" xmlns="">
+                <a14:hiddenEffects xmlns="" xmlns:a14="http://schemas.microsoft.com/office/drawing/2010/main">
                   <a:effectLst>
                     <a:outerShdw blurRad="63500" dist="38099" dir="2700000" algn="ctr" rotWithShape="0">
                       <a:srgbClr val="000000">
@@ -4204,7 +4204,7 @@
             <a:effectLst/>
             <a:extLst>
               <a:ext uri="{91240B29-F687-4f45-9708-019B960494DF}">
-                <a14:hiddenLine xmlns:a14="http://schemas.microsoft.com/office/drawing/2010/main" xmlns="" w="9525" cap="flat">
+                <a14:hiddenLine xmlns="" xmlns:a14="http://schemas.microsoft.com/office/drawing/2010/main" w="9525" cap="flat">
                   <a:solidFill>
                     <a:srgbClr val="C2E4F8"/>
                   </a:solidFill>
@@ -4214,7 +4214,7 @@
                 </a14:hiddenLine>
               </a:ext>
               <a:ext uri="{AF507438-7753-43e0-B8FC-AC1667EBCBE1}">
-                <a14:hiddenEffects xmlns:a14="http://schemas.microsoft.com/office/drawing/2010/main" xmlns="">
+                <a14:hiddenEffects xmlns="" xmlns:a14="http://schemas.microsoft.com/office/drawing/2010/main">
                   <a:effectLst>
                     <a:outerShdw blurRad="63500" dist="38099" dir="2700000" algn="ctr" rotWithShape="0">
                       <a:srgbClr val="000000">
@@ -4316,7 +4316,7 @@
             <a:effectLst/>
             <a:extLst>
               <a:ext uri="{91240B29-F687-4f45-9708-019B960494DF}">
-                <a14:hiddenLine xmlns:a14="http://schemas.microsoft.com/office/drawing/2010/main" xmlns="" w="9525" cap="flat">
+                <a14:hiddenLine xmlns="" xmlns:a14="http://schemas.microsoft.com/office/drawing/2010/main" w="9525" cap="flat">
                   <a:solidFill>
                     <a:srgbClr val="C2E4F8"/>
                   </a:solidFill>
@@ -4326,7 +4326,7 @@
                 </a14:hiddenLine>
               </a:ext>
               <a:ext uri="{AF507438-7753-43e0-B8FC-AC1667EBCBE1}">
-                <a14:hiddenEffects xmlns:a14="http://schemas.microsoft.com/office/drawing/2010/main" xmlns="">
+                <a14:hiddenEffects xmlns="" xmlns:a14="http://schemas.microsoft.com/office/drawing/2010/main">
                   <a:effectLst>
                     <a:outerShdw blurRad="63500" dist="38099" dir="2700000" algn="ctr" rotWithShape="0">
                       <a:srgbClr val="000000">
@@ -4430,7 +4430,7 @@
             <a:effectLst/>
             <a:extLst>
               <a:ext uri="{91240B29-F687-4f45-9708-019B960494DF}">
-                <a14:hiddenLine xmlns:a14="http://schemas.microsoft.com/office/drawing/2010/main" xmlns="" w="9525" cap="flat">
+                <a14:hiddenLine xmlns="" xmlns:a14="http://schemas.microsoft.com/office/drawing/2010/main" w="9525" cap="flat">
                   <a:solidFill>
                     <a:srgbClr val="C2E4F8"/>
                   </a:solidFill>
@@ -4440,7 +4440,7 @@
                 </a14:hiddenLine>
               </a:ext>
               <a:ext uri="{AF507438-7753-43e0-B8FC-AC1667EBCBE1}">
-                <a14:hiddenEffects xmlns:a14="http://schemas.microsoft.com/office/drawing/2010/main" xmlns="">
+                <a14:hiddenEffects xmlns="" xmlns:a14="http://schemas.microsoft.com/office/drawing/2010/main">
                   <a:effectLst>
                     <a:outerShdw blurRad="63500" dist="38099" dir="2700000" algn="ctr" rotWithShape="0">
                       <a:srgbClr val="000000">
@@ -4550,7 +4550,7 @@
             <a:effectLst/>
             <a:extLst>
               <a:ext uri="{91240B29-F687-4f45-9708-019B960494DF}">
-                <a14:hiddenLine xmlns:a14="http://schemas.microsoft.com/office/drawing/2010/main" xmlns="" w="9525" cap="flat">
+                <a14:hiddenLine xmlns="" xmlns:a14="http://schemas.microsoft.com/office/drawing/2010/main" w="9525" cap="flat">
                   <a:solidFill>
                     <a:srgbClr val="C2E4F8"/>
                   </a:solidFill>
@@ -4560,7 +4560,7 @@
                 </a14:hiddenLine>
               </a:ext>
               <a:ext uri="{AF507438-7753-43e0-B8FC-AC1667EBCBE1}">
-                <a14:hiddenEffects xmlns:a14="http://schemas.microsoft.com/office/drawing/2010/main" xmlns="">
+                <a14:hiddenEffects xmlns="" xmlns:a14="http://schemas.microsoft.com/office/drawing/2010/main">
                   <a:effectLst>
                     <a:outerShdw blurRad="63500" dist="38099" dir="2700000" algn="ctr" rotWithShape="0">
                       <a:srgbClr val="000000">
@@ -4670,7 +4670,7 @@
             <a:effectLst/>
             <a:extLst>
               <a:ext uri="{91240B29-F687-4f45-9708-019B960494DF}">
-                <a14:hiddenLine xmlns:a14="http://schemas.microsoft.com/office/drawing/2010/main" xmlns="" w="9525" cap="flat">
+                <a14:hiddenLine xmlns="" xmlns:a14="http://schemas.microsoft.com/office/drawing/2010/main" w="9525" cap="flat">
                   <a:solidFill>
                     <a:srgbClr val="C2E4F8"/>
                   </a:solidFill>
@@ -4680,7 +4680,7 @@
                 </a14:hiddenLine>
               </a:ext>
               <a:ext uri="{AF507438-7753-43e0-B8FC-AC1667EBCBE1}">
-                <a14:hiddenEffects xmlns:a14="http://schemas.microsoft.com/office/drawing/2010/main" xmlns="">
+                <a14:hiddenEffects xmlns="" xmlns:a14="http://schemas.microsoft.com/office/drawing/2010/main">
                   <a:effectLst>
                     <a:outerShdw blurRad="63500" dist="38099" dir="2700000" algn="ctr" rotWithShape="0">
                       <a:srgbClr val="000000">
@@ -4790,7 +4790,7 @@
             <a:effectLst/>
             <a:extLst>
               <a:ext uri="{91240B29-F687-4f45-9708-019B960494DF}">
-                <a14:hiddenLine xmlns:a14="http://schemas.microsoft.com/office/drawing/2010/main" xmlns="" w="9525" cap="flat">
+                <a14:hiddenLine xmlns="" xmlns:a14="http://schemas.microsoft.com/office/drawing/2010/main" w="9525" cap="flat">
                   <a:solidFill>
                     <a:srgbClr val="C2E4F8"/>
                   </a:solidFill>
@@ -4800,7 +4800,7 @@
                 </a14:hiddenLine>
               </a:ext>
               <a:ext uri="{AF507438-7753-43e0-B8FC-AC1667EBCBE1}">
-                <a14:hiddenEffects xmlns:a14="http://schemas.microsoft.com/office/drawing/2010/main" xmlns="">
+                <a14:hiddenEffects xmlns="" xmlns:a14="http://schemas.microsoft.com/office/drawing/2010/main">
                   <a:effectLst>
                     <a:outerShdw blurRad="63500" dist="38099" dir="2700000" algn="ctr" rotWithShape="0">
                       <a:srgbClr val="000000">
@@ -4910,7 +4910,7 @@
             <a:effectLst/>
             <a:extLst>
               <a:ext uri="{91240B29-F687-4f45-9708-019B960494DF}">
-                <a14:hiddenLine xmlns:a14="http://schemas.microsoft.com/office/drawing/2010/main" xmlns="" w="9525" cap="flat">
+                <a14:hiddenLine xmlns="" xmlns:a14="http://schemas.microsoft.com/office/drawing/2010/main" w="9525" cap="flat">
                   <a:solidFill>
                     <a:srgbClr val="C2E4F8"/>
                   </a:solidFill>
@@ -4920,7 +4920,7 @@
                 </a14:hiddenLine>
               </a:ext>
               <a:ext uri="{AF507438-7753-43e0-B8FC-AC1667EBCBE1}">
-                <a14:hiddenEffects xmlns:a14="http://schemas.microsoft.com/office/drawing/2010/main" xmlns="">
+                <a14:hiddenEffects xmlns="" xmlns:a14="http://schemas.microsoft.com/office/drawing/2010/main">
                   <a:effectLst>
                     <a:outerShdw blurRad="63500" dist="38099" dir="2700000" algn="ctr" rotWithShape="0">
                       <a:srgbClr val="000000">
@@ -5030,7 +5030,7 @@
             <a:effectLst/>
             <a:extLst>
               <a:ext uri="{91240B29-F687-4f45-9708-019B960494DF}">
-                <a14:hiddenLine xmlns:a14="http://schemas.microsoft.com/office/drawing/2010/main" xmlns="" w="9525" cap="flat">
+                <a14:hiddenLine xmlns="" xmlns:a14="http://schemas.microsoft.com/office/drawing/2010/main" w="9525" cap="flat">
                   <a:solidFill>
                     <a:srgbClr val="C2E4F8"/>
                   </a:solidFill>
@@ -5040,7 +5040,7 @@
                 </a14:hiddenLine>
               </a:ext>
               <a:ext uri="{AF507438-7753-43e0-B8FC-AC1667EBCBE1}">
-                <a14:hiddenEffects xmlns:a14="http://schemas.microsoft.com/office/drawing/2010/main" xmlns="">
+                <a14:hiddenEffects xmlns="" xmlns:a14="http://schemas.microsoft.com/office/drawing/2010/main">
                   <a:effectLst>
                     <a:outerShdw blurRad="63500" dist="38099" dir="2700000" algn="ctr" rotWithShape="0">
                       <a:srgbClr val="000000">
@@ -5150,7 +5150,7 @@
             <a:effectLst/>
             <a:extLst>
               <a:ext uri="{91240B29-F687-4f45-9708-019B960494DF}">
-                <a14:hiddenLine xmlns:a14="http://schemas.microsoft.com/office/drawing/2010/main" xmlns="" w="9525" cap="flat">
+                <a14:hiddenLine xmlns="" xmlns:a14="http://schemas.microsoft.com/office/drawing/2010/main" w="9525" cap="flat">
                   <a:solidFill>
                     <a:srgbClr val="C2E4F8"/>
                   </a:solidFill>
@@ -5160,7 +5160,7 @@
                 </a14:hiddenLine>
               </a:ext>
               <a:ext uri="{AF507438-7753-43e0-B8FC-AC1667EBCBE1}">
-                <a14:hiddenEffects xmlns:a14="http://schemas.microsoft.com/office/drawing/2010/main" xmlns="">
+                <a14:hiddenEffects xmlns="" xmlns:a14="http://schemas.microsoft.com/office/drawing/2010/main">
                   <a:effectLst>
                     <a:outerShdw blurRad="63500" dist="38099" dir="2700000" algn="ctr" rotWithShape="0">
                       <a:srgbClr val="000000">
@@ -5270,7 +5270,7 @@
             <a:effectLst/>
             <a:extLst>
               <a:ext uri="{91240B29-F687-4f45-9708-019B960494DF}">
-                <a14:hiddenLine xmlns:a14="http://schemas.microsoft.com/office/drawing/2010/main" xmlns="" w="9525" cap="flat">
+                <a14:hiddenLine xmlns="" xmlns:a14="http://schemas.microsoft.com/office/drawing/2010/main" w="9525" cap="flat">
                   <a:solidFill>
                     <a:srgbClr val="C2E4F8"/>
                   </a:solidFill>
@@ -5280,7 +5280,7 @@
                 </a14:hiddenLine>
               </a:ext>
               <a:ext uri="{AF507438-7753-43e0-B8FC-AC1667EBCBE1}">
-                <a14:hiddenEffects xmlns:a14="http://schemas.microsoft.com/office/drawing/2010/main" xmlns="">
+                <a14:hiddenEffects xmlns="" xmlns:a14="http://schemas.microsoft.com/office/drawing/2010/main">
                   <a:effectLst>
                     <a:outerShdw blurRad="63500" dist="38099" dir="2700000" algn="ctr" rotWithShape="0">
                       <a:srgbClr val="000000">
@@ -5390,7 +5390,7 @@
             <a:effectLst/>
             <a:extLst>
               <a:ext uri="{91240B29-F687-4f45-9708-019B960494DF}">
-                <a14:hiddenLine xmlns:a14="http://schemas.microsoft.com/office/drawing/2010/main" xmlns="" w="9525" cap="flat">
+                <a14:hiddenLine xmlns="" xmlns:a14="http://schemas.microsoft.com/office/drawing/2010/main" w="9525" cap="flat">
                   <a:solidFill>
                     <a:srgbClr val="C2E4F8"/>
                   </a:solidFill>
@@ -5400,7 +5400,7 @@
                 </a14:hiddenLine>
               </a:ext>
               <a:ext uri="{AF507438-7753-43e0-B8FC-AC1667EBCBE1}">
-                <a14:hiddenEffects xmlns:a14="http://schemas.microsoft.com/office/drawing/2010/main" xmlns="">
+                <a14:hiddenEffects xmlns="" xmlns:a14="http://schemas.microsoft.com/office/drawing/2010/main">
                   <a:effectLst>
                     <a:outerShdw blurRad="63500" dist="38099" dir="2700000" algn="ctr" rotWithShape="0">
                       <a:srgbClr val="000000">
@@ -5510,7 +5510,7 @@
             <a:effectLst/>
             <a:extLst>
               <a:ext uri="{91240B29-F687-4f45-9708-019B960494DF}">
-                <a14:hiddenLine xmlns:a14="http://schemas.microsoft.com/office/drawing/2010/main" xmlns="" w="9525" cap="flat">
+                <a14:hiddenLine xmlns="" xmlns:a14="http://schemas.microsoft.com/office/drawing/2010/main" w="9525" cap="flat">
                   <a:solidFill>
                     <a:srgbClr val="C2E4F8"/>
                   </a:solidFill>
@@ -5520,7 +5520,7 @@
                 </a14:hiddenLine>
               </a:ext>
               <a:ext uri="{AF507438-7753-43e0-B8FC-AC1667EBCBE1}">
-                <a14:hiddenEffects xmlns:a14="http://schemas.microsoft.com/office/drawing/2010/main" xmlns="">
+                <a14:hiddenEffects xmlns="" xmlns:a14="http://schemas.microsoft.com/office/drawing/2010/main">
                   <a:effectLst>
                     <a:outerShdw blurRad="63500" dist="38099" dir="2700000" algn="ctr" rotWithShape="0">
                       <a:srgbClr val="000000">
@@ -5630,7 +5630,7 @@
             <a:effectLst/>
             <a:extLst>
               <a:ext uri="{91240B29-F687-4f45-9708-019B960494DF}">
-                <a14:hiddenLine xmlns:a14="http://schemas.microsoft.com/office/drawing/2010/main" xmlns="" w="9525" cap="flat">
+                <a14:hiddenLine xmlns="" xmlns:a14="http://schemas.microsoft.com/office/drawing/2010/main" w="9525" cap="flat">
                   <a:solidFill>
                     <a:srgbClr val="C2E4F8"/>
                   </a:solidFill>
@@ -5640,7 +5640,7 @@
                 </a14:hiddenLine>
               </a:ext>
               <a:ext uri="{AF507438-7753-43e0-B8FC-AC1667EBCBE1}">
-                <a14:hiddenEffects xmlns:a14="http://schemas.microsoft.com/office/drawing/2010/main" xmlns="">
+                <a14:hiddenEffects xmlns="" xmlns:a14="http://schemas.microsoft.com/office/drawing/2010/main">
                   <a:effectLst>
                     <a:outerShdw blurRad="63500" dist="38099" dir="2700000" algn="ctr" rotWithShape="0">
                       <a:srgbClr val="000000">
@@ -5750,7 +5750,7 @@
             <a:effectLst/>
             <a:extLst>
               <a:ext uri="{91240B29-F687-4f45-9708-019B960494DF}">
-                <a14:hiddenLine xmlns:a14="http://schemas.microsoft.com/office/drawing/2010/main" xmlns="" w="9525" cap="flat">
+                <a14:hiddenLine xmlns="" xmlns:a14="http://schemas.microsoft.com/office/drawing/2010/main" w="9525" cap="flat">
                   <a:solidFill>
                     <a:srgbClr val="C2E4F8"/>
                   </a:solidFill>
@@ -5760,7 +5760,7 @@
                 </a14:hiddenLine>
               </a:ext>
               <a:ext uri="{AF507438-7753-43e0-B8FC-AC1667EBCBE1}">
-                <a14:hiddenEffects xmlns:a14="http://schemas.microsoft.com/office/drawing/2010/main" xmlns="">
+                <a14:hiddenEffects xmlns="" xmlns:a14="http://schemas.microsoft.com/office/drawing/2010/main">
                   <a:effectLst>
                     <a:outerShdw blurRad="63500" dist="38099" dir="2700000" algn="ctr" rotWithShape="0">
                       <a:srgbClr val="000000">
@@ -5870,7 +5870,7 @@
             <a:effectLst/>
             <a:extLst>
               <a:ext uri="{91240B29-F687-4f45-9708-019B960494DF}">
-                <a14:hiddenLine xmlns:a14="http://schemas.microsoft.com/office/drawing/2010/main" xmlns="" w="9525" cap="flat">
+                <a14:hiddenLine xmlns="" xmlns:a14="http://schemas.microsoft.com/office/drawing/2010/main" w="9525" cap="flat">
                   <a:solidFill>
                     <a:srgbClr val="C2E4F8"/>
                   </a:solidFill>
@@ -5880,7 +5880,7 @@
                 </a14:hiddenLine>
               </a:ext>
               <a:ext uri="{AF507438-7753-43e0-B8FC-AC1667EBCBE1}">
-                <a14:hiddenEffects xmlns:a14="http://schemas.microsoft.com/office/drawing/2010/main" xmlns="">
+                <a14:hiddenEffects xmlns="" xmlns:a14="http://schemas.microsoft.com/office/drawing/2010/main">
                   <a:effectLst>
                     <a:outerShdw blurRad="63500" dist="38099" dir="2700000" algn="ctr" rotWithShape="0">
                       <a:srgbClr val="000000">
@@ -5990,7 +5990,7 @@
             <a:effectLst/>
             <a:extLst>
               <a:ext uri="{91240B29-F687-4f45-9708-019B960494DF}">
-                <a14:hiddenLine xmlns:a14="http://schemas.microsoft.com/office/drawing/2010/main" xmlns="" w="9525" cap="flat">
+                <a14:hiddenLine xmlns="" xmlns:a14="http://schemas.microsoft.com/office/drawing/2010/main" w="9525" cap="flat">
                   <a:solidFill>
                     <a:srgbClr val="C2E4F8"/>
                   </a:solidFill>
@@ -6000,7 +6000,7 @@
                 </a14:hiddenLine>
               </a:ext>
               <a:ext uri="{AF507438-7753-43e0-B8FC-AC1667EBCBE1}">
-                <a14:hiddenEffects xmlns:a14="http://schemas.microsoft.com/office/drawing/2010/main" xmlns="">
+                <a14:hiddenEffects xmlns="" xmlns:a14="http://schemas.microsoft.com/office/drawing/2010/main">
                   <a:effectLst>
                     <a:outerShdw blurRad="63500" dist="38099" dir="2700000" algn="ctr" rotWithShape="0">
                       <a:srgbClr val="000000">
@@ -6110,7 +6110,7 @@
             <a:effectLst/>
             <a:extLst>
               <a:ext uri="{91240B29-F687-4f45-9708-019B960494DF}">
-                <a14:hiddenLine xmlns:a14="http://schemas.microsoft.com/office/drawing/2010/main" xmlns="" w="9525" cap="flat">
+                <a14:hiddenLine xmlns="" xmlns:a14="http://schemas.microsoft.com/office/drawing/2010/main" w="9525" cap="flat">
                   <a:solidFill>
                     <a:srgbClr val="C2E4F8"/>
                   </a:solidFill>
@@ -6120,7 +6120,7 @@
                 </a14:hiddenLine>
               </a:ext>
               <a:ext uri="{AF507438-7753-43e0-B8FC-AC1667EBCBE1}">
-                <a14:hiddenEffects xmlns:a14="http://schemas.microsoft.com/office/drawing/2010/main" xmlns="">
+                <a14:hiddenEffects xmlns="" xmlns:a14="http://schemas.microsoft.com/office/drawing/2010/main">
                   <a:effectLst>
                     <a:outerShdw blurRad="63500" dist="38099" dir="2700000" algn="ctr" rotWithShape="0">
                       <a:srgbClr val="000000">
@@ -6230,7 +6230,7 @@
             <a:effectLst/>
             <a:extLst>
               <a:ext uri="{91240B29-F687-4f45-9708-019B960494DF}">
-                <a14:hiddenLine xmlns:a14="http://schemas.microsoft.com/office/drawing/2010/main" xmlns="" w="9525" cap="flat">
+                <a14:hiddenLine xmlns="" xmlns:a14="http://schemas.microsoft.com/office/drawing/2010/main" w="9525" cap="flat">
                   <a:solidFill>
                     <a:srgbClr val="C2E4F8"/>
                   </a:solidFill>
@@ -6240,7 +6240,7 @@
                 </a14:hiddenLine>
               </a:ext>
               <a:ext uri="{AF507438-7753-43e0-B8FC-AC1667EBCBE1}">
-                <a14:hiddenEffects xmlns:a14="http://schemas.microsoft.com/office/drawing/2010/main" xmlns="">
+                <a14:hiddenEffects xmlns="" xmlns:a14="http://schemas.microsoft.com/office/drawing/2010/main">
                   <a:effectLst>
                     <a:outerShdw blurRad="63500" dist="38099" dir="2700000" algn="ctr" rotWithShape="0">
                       <a:srgbClr val="000000">
@@ -6350,7 +6350,7 @@
             <a:effectLst/>
             <a:extLst>
               <a:ext uri="{91240B29-F687-4f45-9708-019B960494DF}">
-                <a14:hiddenLine xmlns:a14="http://schemas.microsoft.com/office/drawing/2010/main" xmlns="" w="9525" cap="flat">
+                <a14:hiddenLine xmlns="" xmlns:a14="http://schemas.microsoft.com/office/drawing/2010/main" w="9525" cap="flat">
                   <a:solidFill>
                     <a:srgbClr val="C2E4F8"/>
                   </a:solidFill>
@@ -6360,7 +6360,7 @@
                 </a14:hiddenLine>
               </a:ext>
               <a:ext uri="{AF507438-7753-43e0-B8FC-AC1667EBCBE1}">
-                <a14:hiddenEffects xmlns:a14="http://schemas.microsoft.com/office/drawing/2010/main" xmlns="">
+                <a14:hiddenEffects xmlns="" xmlns:a14="http://schemas.microsoft.com/office/drawing/2010/main">
                   <a:effectLst>
                     <a:outerShdw blurRad="63500" dist="38099" dir="2700000" algn="ctr" rotWithShape="0">
                       <a:srgbClr val="000000">
@@ -6470,7 +6470,7 @@
             <a:effectLst/>
             <a:extLst>
               <a:ext uri="{91240B29-F687-4f45-9708-019B960494DF}">
-                <a14:hiddenLine xmlns:a14="http://schemas.microsoft.com/office/drawing/2010/main" xmlns="" w="9525" cap="flat">
+                <a14:hiddenLine xmlns="" xmlns:a14="http://schemas.microsoft.com/office/drawing/2010/main" w="9525" cap="flat">
                   <a:solidFill>
                     <a:srgbClr val="C2E4F8"/>
                   </a:solidFill>
@@ -6480,7 +6480,7 @@
                 </a14:hiddenLine>
               </a:ext>
               <a:ext uri="{AF507438-7753-43e0-B8FC-AC1667EBCBE1}">
-                <a14:hiddenEffects xmlns:a14="http://schemas.microsoft.com/office/drawing/2010/main" xmlns="">
+                <a14:hiddenEffects xmlns="" xmlns:a14="http://schemas.microsoft.com/office/drawing/2010/main">
                   <a:effectLst>
                     <a:outerShdw blurRad="63500" dist="38099" dir="2700000" algn="ctr" rotWithShape="0">
                       <a:srgbClr val="000000">
@@ -6590,7 +6590,7 @@
             <a:effectLst/>
             <a:extLst>
               <a:ext uri="{91240B29-F687-4f45-9708-019B960494DF}">
-                <a14:hiddenLine xmlns:a14="http://schemas.microsoft.com/office/drawing/2010/main" xmlns="" w="9525" cap="flat">
+                <a14:hiddenLine xmlns="" xmlns:a14="http://schemas.microsoft.com/office/drawing/2010/main" w="9525" cap="flat">
                   <a:solidFill>
                     <a:srgbClr val="C2E4F8"/>
                   </a:solidFill>
@@ -6600,7 +6600,7 @@
                 </a14:hiddenLine>
               </a:ext>
               <a:ext uri="{AF507438-7753-43e0-B8FC-AC1667EBCBE1}">
-                <a14:hiddenEffects xmlns:a14="http://schemas.microsoft.com/office/drawing/2010/main" xmlns="">
+                <a14:hiddenEffects xmlns="" xmlns:a14="http://schemas.microsoft.com/office/drawing/2010/main">
                   <a:effectLst>
                     <a:outerShdw blurRad="63500" dist="38099" dir="2700000" algn="ctr" rotWithShape="0">
                       <a:srgbClr val="000000">
@@ -6704,7 +6704,7 @@
             <a:effectLst/>
             <a:extLst>
               <a:ext uri="{91240B29-F687-4f45-9708-019B960494DF}">
-                <a14:hiddenLine xmlns:a14="http://schemas.microsoft.com/office/drawing/2010/main" xmlns="" w="9525" cap="flat">
+                <a14:hiddenLine xmlns="" xmlns:a14="http://schemas.microsoft.com/office/drawing/2010/main" w="9525" cap="flat">
                   <a:solidFill>
                     <a:srgbClr val="C2E4F8"/>
                   </a:solidFill>
@@ -6714,7 +6714,7 @@
                 </a14:hiddenLine>
               </a:ext>
               <a:ext uri="{AF507438-7753-43e0-B8FC-AC1667EBCBE1}">
-                <a14:hiddenEffects xmlns:a14="http://schemas.microsoft.com/office/drawing/2010/main" xmlns="">
+                <a14:hiddenEffects xmlns="" xmlns:a14="http://schemas.microsoft.com/office/drawing/2010/main">
                   <a:effectLst>
                     <a:outerShdw blurRad="63500" dist="38099" dir="2700000" algn="ctr" rotWithShape="0">
                       <a:srgbClr val="000000">
@@ -6816,7 +6816,7 @@
             <a:effectLst/>
             <a:extLst>
               <a:ext uri="{91240B29-F687-4f45-9708-019B960494DF}">
-                <a14:hiddenLine xmlns:a14="http://schemas.microsoft.com/office/drawing/2010/main" xmlns="" w="9525" cap="flat">
+                <a14:hiddenLine xmlns="" xmlns:a14="http://schemas.microsoft.com/office/drawing/2010/main" w="9525" cap="flat">
                   <a:solidFill>
                     <a:srgbClr val="C2E4F8"/>
                   </a:solidFill>
@@ -6826,7 +6826,7 @@
                 </a14:hiddenLine>
               </a:ext>
               <a:ext uri="{AF507438-7753-43e0-B8FC-AC1667EBCBE1}">
-                <a14:hiddenEffects xmlns:a14="http://schemas.microsoft.com/office/drawing/2010/main" xmlns="">
+                <a14:hiddenEffects xmlns="" xmlns:a14="http://schemas.microsoft.com/office/drawing/2010/main">
                   <a:effectLst>
                     <a:outerShdw blurRad="63500" dist="38099" dir="2700000" algn="ctr" rotWithShape="0">
                       <a:srgbClr val="000000">
@@ -6928,7 +6928,7 @@
             <a:effectLst/>
             <a:extLst>
               <a:ext uri="{91240B29-F687-4f45-9708-019B960494DF}">
-                <a14:hiddenLine xmlns:a14="http://schemas.microsoft.com/office/drawing/2010/main" xmlns="" w="9525" cap="flat">
+                <a14:hiddenLine xmlns="" xmlns:a14="http://schemas.microsoft.com/office/drawing/2010/main" w="9525" cap="flat">
                   <a:solidFill>
                     <a:srgbClr val="C2E4F8"/>
                   </a:solidFill>
@@ -6938,7 +6938,7 @@
                 </a14:hiddenLine>
               </a:ext>
               <a:ext uri="{AF507438-7753-43e0-B8FC-AC1667EBCBE1}">
-                <a14:hiddenEffects xmlns:a14="http://schemas.microsoft.com/office/drawing/2010/main" xmlns="">
+                <a14:hiddenEffects xmlns="" xmlns:a14="http://schemas.microsoft.com/office/drawing/2010/main">
                   <a:effectLst>
                     <a:outerShdw blurRad="63500" dist="38099" dir="2700000" algn="ctr" rotWithShape="0">
                       <a:srgbClr val="000000">
@@ -7040,7 +7040,7 @@
             <a:effectLst/>
             <a:extLst>
               <a:ext uri="{91240B29-F687-4f45-9708-019B960494DF}">
-                <a14:hiddenLine xmlns:a14="http://schemas.microsoft.com/office/drawing/2010/main" xmlns="" w="9525" cap="flat">
+                <a14:hiddenLine xmlns="" xmlns:a14="http://schemas.microsoft.com/office/drawing/2010/main" w="9525" cap="flat">
                   <a:solidFill>
                     <a:srgbClr val="C2E4F8"/>
                   </a:solidFill>
@@ -7050,7 +7050,7 @@
                 </a14:hiddenLine>
               </a:ext>
               <a:ext uri="{AF507438-7753-43e0-B8FC-AC1667EBCBE1}">
-                <a14:hiddenEffects xmlns:a14="http://schemas.microsoft.com/office/drawing/2010/main" xmlns="">
+                <a14:hiddenEffects xmlns="" xmlns:a14="http://schemas.microsoft.com/office/drawing/2010/main">
                   <a:effectLst>
                     <a:outerShdw blurRad="63500" dist="38099" dir="2700000" algn="ctr" rotWithShape="0">
                       <a:srgbClr val="000000">
@@ -7160,7 +7160,7 @@
             <a:effectLst/>
             <a:extLst>
               <a:ext uri="{91240B29-F687-4f45-9708-019B960494DF}">
-                <a14:hiddenLine xmlns:a14="http://schemas.microsoft.com/office/drawing/2010/main" xmlns="" w="9525" cap="flat">
+                <a14:hiddenLine xmlns="" xmlns:a14="http://schemas.microsoft.com/office/drawing/2010/main" w="9525" cap="flat">
                   <a:solidFill>
                     <a:srgbClr val="C2E4F8"/>
                   </a:solidFill>
@@ -7170,7 +7170,7 @@
                 </a14:hiddenLine>
               </a:ext>
               <a:ext uri="{AF507438-7753-43e0-B8FC-AC1667EBCBE1}">
-                <a14:hiddenEffects xmlns:a14="http://schemas.microsoft.com/office/drawing/2010/main" xmlns="">
+                <a14:hiddenEffects xmlns="" xmlns:a14="http://schemas.microsoft.com/office/drawing/2010/main">
                   <a:effectLst>
                     <a:outerShdw blurRad="63500" dist="38099" dir="2700000" algn="ctr" rotWithShape="0">
                       <a:srgbClr val="000000">
@@ -7280,7 +7280,7 @@
             <a:effectLst/>
             <a:extLst>
               <a:ext uri="{91240B29-F687-4f45-9708-019B960494DF}">
-                <a14:hiddenLine xmlns:a14="http://schemas.microsoft.com/office/drawing/2010/main" xmlns="" w="9525" cap="flat">
+                <a14:hiddenLine xmlns="" xmlns:a14="http://schemas.microsoft.com/office/drawing/2010/main" w="9525" cap="flat">
                   <a:solidFill>
                     <a:srgbClr val="C2E4F8"/>
                   </a:solidFill>
@@ -7290,7 +7290,7 @@
                 </a14:hiddenLine>
               </a:ext>
               <a:ext uri="{AF507438-7753-43e0-B8FC-AC1667EBCBE1}">
-                <a14:hiddenEffects xmlns:a14="http://schemas.microsoft.com/office/drawing/2010/main" xmlns="">
+                <a14:hiddenEffects xmlns="" xmlns:a14="http://schemas.microsoft.com/office/drawing/2010/main">
                   <a:effectLst>
                     <a:outerShdw blurRad="63500" dist="38099" dir="2700000" algn="ctr" rotWithShape="0">
                       <a:srgbClr val="000000">
@@ -7384,7 +7384,7 @@
             <a:effectLst/>
             <a:extLst>
               <a:ext uri="{91240B29-F687-4f45-9708-019B960494DF}">
-                <a14:hiddenLine xmlns:a14="http://schemas.microsoft.com/office/drawing/2010/main" xmlns="" w="9525" cap="flat">
+                <a14:hiddenLine xmlns="" xmlns:a14="http://schemas.microsoft.com/office/drawing/2010/main" w="9525" cap="flat">
                   <a:solidFill>
                     <a:srgbClr val="C2E4F8"/>
                   </a:solidFill>
@@ -7394,7 +7394,7 @@
                 </a14:hiddenLine>
               </a:ext>
               <a:ext uri="{AF507438-7753-43e0-B8FC-AC1667EBCBE1}">
-                <a14:hiddenEffects xmlns:a14="http://schemas.microsoft.com/office/drawing/2010/main" xmlns="">
+                <a14:hiddenEffects xmlns="" xmlns:a14="http://schemas.microsoft.com/office/drawing/2010/main">
                   <a:effectLst>
                     <a:outerShdw blurRad="63500" dist="38099" dir="2700000" algn="ctr" rotWithShape="0">
                       <a:srgbClr val="000000">
@@ -7498,7 +7498,7 @@
             <a:effectLst/>
             <a:extLst>
               <a:ext uri="{91240B29-F687-4f45-9708-019B960494DF}">
-                <a14:hiddenLine xmlns:a14="http://schemas.microsoft.com/office/drawing/2010/main" xmlns="" w="9525" cap="flat">
+                <a14:hiddenLine xmlns="" xmlns:a14="http://schemas.microsoft.com/office/drawing/2010/main" w="9525" cap="flat">
                   <a:solidFill>
                     <a:srgbClr val="C2E4F8"/>
                   </a:solidFill>
@@ -7508,7 +7508,7 @@
                 </a14:hiddenLine>
               </a:ext>
               <a:ext uri="{AF507438-7753-43e0-B8FC-AC1667EBCBE1}">
-                <a14:hiddenEffects xmlns:a14="http://schemas.microsoft.com/office/drawing/2010/main" xmlns="">
+                <a14:hiddenEffects xmlns="" xmlns:a14="http://schemas.microsoft.com/office/drawing/2010/main">
                   <a:effectLst>
                     <a:outerShdw blurRad="63500" dist="38099" dir="2700000" algn="ctr" rotWithShape="0">
                       <a:srgbClr val="000000">
@@ -7612,7 +7612,7 @@
             <a:effectLst/>
             <a:extLst>
               <a:ext uri="{91240B29-F687-4f45-9708-019B960494DF}">
-                <a14:hiddenLine xmlns:a14="http://schemas.microsoft.com/office/drawing/2010/main" xmlns="" w="9525" cap="flat">
+                <a14:hiddenLine xmlns="" xmlns:a14="http://schemas.microsoft.com/office/drawing/2010/main" w="9525" cap="flat">
                   <a:solidFill>
                     <a:srgbClr val="C2E4F8"/>
                   </a:solidFill>
@@ -7622,7 +7622,7 @@
                 </a14:hiddenLine>
               </a:ext>
               <a:ext uri="{AF507438-7753-43e0-B8FC-AC1667EBCBE1}">
-                <a14:hiddenEffects xmlns:a14="http://schemas.microsoft.com/office/drawing/2010/main" xmlns="">
+                <a14:hiddenEffects xmlns="" xmlns:a14="http://schemas.microsoft.com/office/drawing/2010/main">
                   <a:effectLst>
                     <a:outerShdw blurRad="63500" dist="38099" dir="2700000" algn="ctr" rotWithShape="0">
                       <a:srgbClr val="000000">
@@ -7726,7 +7726,7 @@
             <a:effectLst/>
             <a:extLst>
               <a:ext uri="{91240B29-F687-4f45-9708-019B960494DF}">
-                <a14:hiddenLine xmlns:a14="http://schemas.microsoft.com/office/drawing/2010/main" xmlns="" w="9525" cap="flat">
+                <a14:hiddenLine xmlns="" xmlns:a14="http://schemas.microsoft.com/office/drawing/2010/main" w="9525" cap="flat">
                   <a:solidFill>
                     <a:srgbClr val="C2E4F8"/>
                   </a:solidFill>
@@ -7736,7 +7736,7 @@
                 </a14:hiddenLine>
               </a:ext>
               <a:ext uri="{AF507438-7753-43e0-B8FC-AC1667EBCBE1}">
-                <a14:hiddenEffects xmlns:a14="http://schemas.microsoft.com/office/drawing/2010/main" xmlns="">
+                <a14:hiddenEffects xmlns="" xmlns:a14="http://schemas.microsoft.com/office/drawing/2010/main">
                   <a:effectLst>
                     <a:outerShdw blurRad="63500" dist="38099" dir="2700000" algn="ctr" rotWithShape="0">
                       <a:srgbClr val="000000">
@@ -7840,7 +7840,7 @@
             <a:effectLst/>
             <a:extLst>
               <a:ext uri="{91240B29-F687-4f45-9708-019B960494DF}">
-                <a14:hiddenLine xmlns:a14="http://schemas.microsoft.com/office/drawing/2010/main" xmlns="" w="9525" cap="flat">
+                <a14:hiddenLine xmlns="" xmlns:a14="http://schemas.microsoft.com/office/drawing/2010/main" w="9525" cap="flat">
                   <a:solidFill>
                     <a:srgbClr val="C2E4F8"/>
                   </a:solidFill>
@@ -7850,7 +7850,7 @@
                 </a14:hiddenLine>
               </a:ext>
               <a:ext uri="{AF507438-7753-43e0-B8FC-AC1667EBCBE1}">
-                <a14:hiddenEffects xmlns:a14="http://schemas.microsoft.com/office/drawing/2010/main" xmlns="">
+                <a14:hiddenEffects xmlns="" xmlns:a14="http://schemas.microsoft.com/office/drawing/2010/main">
                   <a:effectLst>
                     <a:outerShdw blurRad="63500" dist="38099" dir="2700000" algn="ctr" rotWithShape="0">
                       <a:srgbClr val="000000">
@@ -7954,7 +7954,7 @@
             <a:effectLst/>
             <a:extLst>
               <a:ext uri="{91240B29-F687-4f45-9708-019B960494DF}">
-                <a14:hiddenLine xmlns:a14="http://schemas.microsoft.com/office/drawing/2010/main" xmlns="" w="9525" cap="flat">
+                <a14:hiddenLine xmlns="" xmlns:a14="http://schemas.microsoft.com/office/drawing/2010/main" w="9525" cap="flat">
                   <a:solidFill>
                     <a:srgbClr val="C2E4F8"/>
                   </a:solidFill>
@@ -7964,7 +7964,7 @@
                 </a14:hiddenLine>
               </a:ext>
               <a:ext uri="{AF507438-7753-43e0-B8FC-AC1667EBCBE1}">
-                <a14:hiddenEffects xmlns:a14="http://schemas.microsoft.com/office/drawing/2010/main" xmlns="">
+                <a14:hiddenEffects xmlns="" xmlns:a14="http://schemas.microsoft.com/office/drawing/2010/main">
                   <a:effectLst>
                     <a:outerShdw blurRad="63500" dist="38099" dir="2700000" algn="ctr" rotWithShape="0">
                       <a:srgbClr val="000000">
@@ -8068,7 +8068,7 @@
             <a:effectLst/>
             <a:extLst>
               <a:ext uri="{91240B29-F687-4f45-9708-019B960494DF}">
-                <a14:hiddenLine xmlns:a14="http://schemas.microsoft.com/office/drawing/2010/main" xmlns="" w="9525" cap="flat">
+                <a14:hiddenLine xmlns="" xmlns:a14="http://schemas.microsoft.com/office/drawing/2010/main" w="9525" cap="flat">
                   <a:solidFill>
                     <a:srgbClr val="C2E4F8"/>
                   </a:solidFill>
@@ -8078,7 +8078,7 @@
                 </a14:hiddenLine>
               </a:ext>
               <a:ext uri="{AF507438-7753-43e0-B8FC-AC1667EBCBE1}">
-                <a14:hiddenEffects xmlns:a14="http://schemas.microsoft.com/office/drawing/2010/main" xmlns="">
+                <a14:hiddenEffects xmlns="" xmlns:a14="http://schemas.microsoft.com/office/drawing/2010/main">
                   <a:effectLst>
                     <a:outerShdw blurRad="63500" dist="38099" dir="2700000" algn="ctr" rotWithShape="0">
                       <a:srgbClr val="000000">
@@ -8182,7 +8182,7 @@
             <a:effectLst/>
             <a:extLst>
               <a:ext uri="{91240B29-F687-4f45-9708-019B960494DF}">
-                <a14:hiddenLine xmlns:a14="http://schemas.microsoft.com/office/drawing/2010/main" xmlns="" w="9525" cap="flat">
+                <a14:hiddenLine xmlns="" xmlns:a14="http://schemas.microsoft.com/office/drawing/2010/main" w="9525" cap="flat">
                   <a:solidFill>
                     <a:srgbClr val="C2E4F8"/>
                   </a:solidFill>
@@ -8192,7 +8192,7 @@
                 </a14:hiddenLine>
               </a:ext>
               <a:ext uri="{AF507438-7753-43e0-B8FC-AC1667EBCBE1}">
-                <a14:hiddenEffects xmlns:a14="http://schemas.microsoft.com/office/drawing/2010/main" xmlns="">
+                <a14:hiddenEffects xmlns="" xmlns:a14="http://schemas.microsoft.com/office/drawing/2010/main">
                   <a:effectLst>
                     <a:outerShdw blurRad="63500" dist="38099" dir="2700000" algn="ctr" rotWithShape="0">
                       <a:srgbClr val="000000">
@@ -8296,7 +8296,7 @@
             <a:effectLst/>
             <a:extLst>
               <a:ext uri="{91240B29-F687-4f45-9708-019B960494DF}">
-                <a14:hiddenLine xmlns:a14="http://schemas.microsoft.com/office/drawing/2010/main" xmlns="" w="9525" cap="flat">
+                <a14:hiddenLine xmlns="" xmlns:a14="http://schemas.microsoft.com/office/drawing/2010/main" w="9525" cap="flat">
                   <a:solidFill>
                     <a:srgbClr val="C2E4F8"/>
                   </a:solidFill>
@@ -8306,7 +8306,7 @@
                 </a14:hiddenLine>
               </a:ext>
               <a:ext uri="{AF507438-7753-43e0-B8FC-AC1667EBCBE1}">
-                <a14:hiddenEffects xmlns:a14="http://schemas.microsoft.com/office/drawing/2010/main" xmlns="">
+                <a14:hiddenEffects xmlns="" xmlns:a14="http://schemas.microsoft.com/office/drawing/2010/main">
                   <a:effectLst>
                     <a:outerShdw blurRad="63500" dist="38099" dir="2700000" algn="ctr" rotWithShape="0">
                       <a:srgbClr val="000000">
@@ -8410,7 +8410,7 @@
             <a:effectLst/>
             <a:extLst>
               <a:ext uri="{91240B29-F687-4f45-9708-019B960494DF}">
-                <a14:hiddenLine xmlns:a14="http://schemas.microsoft.com/office/drawing/2010/main" xmlns="" w="9525" cap="flat">
+                <a14:hiddenLine xmlns="" xmlns:a14="http://schemas.microsoft.com/office/drawing/2010/main" w="9525" cap="flat">
                   <a:solidFill>
                     <a:srgbClr val="C2E4F8"/>
                   </a:solidFill>
@@ -8420,7 +8420,7 @@
                 </a14:hiddenLine>
               </a:ext>
               <a:ext uri="{AF507438-7753-43e0-B8FC-AC1667EBCBE1}">
-                <a14:hiddenEffects xmlns:a14="http://schemas.microsoft.com/office/drawing/2010/main" xmlns="">
+                <a14:hiddenEffects xmlns="" xmlns:a14="http://schemas.microsoft.com/office/drawing/2010/main">
                   <a:effectLst>
                     <a:outerShdw blurRad="63500" dist="38099" dir="2700000" algn="ctr" rotWithShape="0">
                       <a:srgbClr val="000000">
@@ -8524,7 +8524,7 @@
             <a:effectLst/>
             <a:extLst>
               <a:ext uri="{91240B29-F687-4f45-9708-019B960494DF}">
-                <a14:hiddenLine xmlns:a14="http://schemas.microsoft.com/office/drawing/2010/main" xmlns="" w="9525" cap="flat">
+                <a14:hiddenLine xmlns="" xmlns:a14="http://schemas.microsoft.com/office/drawing/2010/main" w="9525" cap="flat">
                   <a:solidFill>
                     <a:srgbClr val="C2E4F8"/>
                   </a:solidFill>
@@ -8534,7 +8534,7 @@
                 </a14:hiddenLine>
               </a:ext>
               <a:ext uri="{AF507438-7753-43e0-B8FC-AC1667EBCBE1}">
-                <a14:hiddenEffects xmlns:a14="http://schemas.microsoft.com/office/drawing/2010/main" xmlns="">
+                <a14:hiddenEffects xmlns="" xmlns:a14="http://schemas.microsoft.com/office/drawing/2010/main">
                   <a:effectLst>
                     <a:outerShdw blurRad="63500" dist="38099" dir="2700000" algn="ctr" rotWithShape="0">
                       <a:srgbClr val="000000">
@@ -17475,7 +17475,7 @@
               </a:lnSpc>
             </a:pPr>
             <a:r>
-              <a:rPr lang="en-US" sz="2400" dirty="0">
+              <a:rPr lang="en-US" sz="2400">
                 <a:solidFill>
                   <a:schemeClr val="bg2"/>
                 </a:solidFill>
@@ -17484,12 +17484,20 @@
               <a:t>- </a:t>
             </a:r>
             <a:r>
+              <a:rPr lang="en-US" b="1">
+                <a:solidFill>
+                  <a:schemeClr val="bg1"/>
+                </a:solidFill>
+              </a:rPr>
+              <a:t>Deepak </a:t>
+            </a:r>
+            <a:r>
               <a:rPr lang="en-US" b="1" dirty="0">
                 <a:solidFill>
                   <a:schemeClr val="bg1"/>
                 </a:solidFill>
               </a:rPr>
-              <a:t>Kaustubh Oak &amp; Deepak Parmar</a:t>
+              <a:t>Parmar</a:t>
             </a:r>
             <a:endParaRPr lang="en-US" sz="2400" b="0" dirty="0">
               <a:solidFill>
@@ -23137,6 +23145,15 @@
 </file>
 
 <file path=customXml/item1.xml><?xml version="1.0" encoding="utf-8"?>
+<?mso-contentType ?>
+<FormTemplates xmlns="http://schemas.microsoft.com/sharepoint/v3/contenttype/forms">
+  <Display>DocumentLibraryForm</Display>
+  <Edit>DocumentLibraryForm</Edit>
+  <New>DocumentLibraryForm</New>
+</FormTemplates>
+</file>
+
+<file path=customXml/item2.xml><?xml version="1.0" encoding="utf-8"?>
 <ct:contentTypeSchema xmlns:ct="http://schemas.microsoft.com/office/2006/metadata/contentType" xmlns:ma="http://schemas.microsoft.com/office/2006/metadata/properties/metaAttributes" ct:_="" ma:_="" ma:contentTypeName="Document" ma:contentTypeID="0x0101000DE64AEEDD9B7A4D93545ACBE97D4615" ma:contentTypeVersion="2" ma:contentTypeDescription="Create a new document." ma:contentTypeScope="" ma:versionID="f49002b78e3a4a71b814eef46a983816">
   <xsd:schema xmlns:xsd="http://www.w3.org/2001/XMLSchema" xmlns:xs="http://www.w3.org/2001/XMLSchema" xmlns:p="http://schemas.microsoft.com/office/2006/metadata/properties" xmlns:ns2="http://schemas.microsoft.com/sharepoint/v3/fields" targetNamespace="http://schemas.microsoft.com/office/2006/metadata/properties" ma:root="true" ma:fieldsID="38f6db2dd0d9a0cf6a8dc37be32b365b" ns2:_="">
     <xsd:import namespace="http://schemas.microsoft.com/sharepoint/v3/fields"/>
@@ -23280,15 +23297,6 @@
 </ct:contentTypeSchema>
 </file>
 
-<file path=customXml/item2.xml><?xml version="1.0" encoding="utf-8"?>
-<?mso-contentType ?>
-<FormTemplates xmlns="http://schemas.microsoft.com/sharepoint/v3/contenttype/forms">
-  <Display>DocumentLibraryForm</Display>
-  <Edit>DocumentLibraryForm</Edit>
-  <New>DocumentLibraryForm</New>
-</FormTemplates>
-</file>
-
 <file path=customXml/item3.xml><?xml version="1.0" encoding="utf-8"?>
 <p:properties xmlns:p="http://schemas.microsoft.com/office/2006/metadata/properties" xmlns:xsi="http://www.w3.org/2001/XMLSchema-instance" xmlns:pc="http://schemas.microsoft.com/office/infopath/2007/PartnerControls">
   <documentManagement>
@@ -23299,6 +23307,14 @@
 </file>
 
 <file path=customXml/itemProps1.xml><?xml version="1.0" encoding="utf-8"?>
+<ds:datastoreItem xmlns:ds="http://schemas.openxmlformats.org/officeDocument/2006/customXml" ds:itemID="{87D2A1B0-FF3E-4009-940D-AED0EB70AA20}">
+  <ds:schemaRefs>
+    <ds:schemaRef ds:uri="http://schemas.microsoft.com/sharepoint/v3/contenttype/forms"/>
+  </ds:schemaRefs>
+</ds:datastoreItem>
+</file>
+
+<file path=customXml/itemProps2.xml><?xml version="1.0" encoding="utf-8"?>
 <ds:datastoreItem xmlns:ds="http://schemas.openxmlformats.org/officeDocument/2006/customXml" ds:itemID="{E4214858-785C-42F7-BE66-6D0E79395FC8}">
   <ds:schemaRefs>
     <ds:schemaRef ds:uri="http://schemas.microsoft.com/office/2006/metadata/contentType"/>
@@ -23312,14 +23328,6 @@
     <ds:schemaRef ds:uri="http://purl.org/dc/elements/1.1/"/>
     <ds:schemaRef ds:uri="http://purl.org/dc/terms/"/>
     <ds:schemaRef ds:uri="http://schemas.microsoft.com/internal/obd"/>
-  </ds:schemaRefs>
-</ds:datastoreItem>
-</file>
-
-<file path=customXml/itemProps2.xml><?xml version="1.0" encoding="utf-8"?>
-<ds:datastoreItem xmlns:ds="http://schemas.openxmlformats.org/officeDocument/2006/customXml" ds:itemID="{87D2A1B0-FF3E-4009-940D-AED0EB70AA20}">
-  <ds:schemaRefs>
-    <ds:schemaRef ds:uri="http://schemas.microsoft.com/sharepoint/v3/contenttype/forms"/>
   </ds:schemaRefs>
 </ds:datastoreItem>
 </file>
